--- a/ppt/Java core - Lecture 10 - IO.pptx
+++ b/ppt/Java core - Lecture 10 - IO.pptx
@@ -1174,7 +1174,7 @@
               </a:spcAft>
               <a:buNone/>
             </a:pPr>
-            <a:endParaRPr>
+            <a:endParaRPr dirty="0">
               <a:solidFill>
                 <a:schemeClr val="dk1"/>
               </a:solidFill>
@@ -1414,7 +1414,7 @@
               </a:spcAft>
               <a:buNone/>
             </a:pPr>
-            <a:endParaRPr>
+            <a:endParaRPr dirty="0">
               <a:solidFill>
                 <a:schemeClr val="dk1"/>
               </a:solidFill>
@@ -1654,7 +1654,7 @@
               </a:spcAft>
               <a:buNone/>
             </a:pPr>
-            <a:endParaRPr>
+            <a:endParaRPr dirty="0">
               <a:solidFill>
                 <a:schemeClr val="dk1"/>
               </a:solidFill>

--- a/ppt/Java core - Lecture 10 - IO.pptx
+++ b/ppt/Java core - Lecture 10 - IO.pptx
@@ -2225,7 +2225,51 @@
               </a:spcAft>
               <a:buNone/>
             </a:pPr>
-            <a:endParaRPr sz="1150">
+            <a:r>
+              <a:rPr lang="en-US" sz="1150" dirty="0" smtClean="0">
+                <a:solidFill>
+                  <a:srgbClr val="333333"/>
+                </a:solidFill>
+                <a:highlight>
+                  <a:srgbClr val="FFFFFF"/>
+                </a:highlight>
+              </a:rPr>
+              <a:t>Stream:</a:t>
+            </a:r>
+            <a:r>
+              <a:rPr lang="en-US" sz="1150" baseline="0" dirty="0" smtClean="0">
+                <a:solidFill>
+                  <a:srgbClr val="333333"/>
+                </a:solidFill>
+                <a:highlight>
+                  <a:srgbClr val="FFFFFF"/>
+                </a:highlight>
+              </a:rPr>
+              <a:t> </a:t>
+            </a:r>
+            <a:r>
+              <a:rPr lang="en-US" sz="1150" baseline="0" dirty="0" err="1" smtClean="0">
+                <a:solidFill>
+                  <a:srgbClr val="333333"/>
+                </a:solidFill>
+                <a:highlight>
+                  <a:srgbClr val="FFFFFF"/>
+                </a:highlight>
+              </a:rPr>
+              <a:t>luồng</a:t>
+            </a:r>
+            <a:r>
+              <a:rPr lang="en-US" sz="1150" baseline="0" dirty="0" smtClean="0">
+                <a:solidFill>
+                  <a:srgbClr val="333333"/>
+                </a:solidFill>
+                <a:highlight>
+                  <a:srgbClr val="FFFFFF"/>
+                </a:highlight>
+              </a:rPr>
+              <a:t> 01020200103023002302300230</a:t>
+            </a:r>
+            <a:endParaRPr sz="1150" dirty="0">
               <a:solidFill>
                 <a:srgbClr val="333333"/>
               </a:solidFill>
@@ -2694,7 +2738,7 @@
                 <a:cs typeface="Arial"/>
                 <a:sym typeface="Arial"/>
               </a:rPr>
-              <a:t>FilterOutputStream</a:t>
+              <a:t>FilterInputStream</a:t>
             </a:r>
             <a:r>
               <a:rPr lang="en-US" sz="1100" b="1" i="0" u="none" strike="noStrike" cap="none" dirty="0" smtClean="0">
@@ -2723,7 +2767,150 @@
                 <a:cs typeface="Arial"/>
                 <a:sym typeface="Arial"/>
               </a:rPr>
-              <a:t>extends lớp OutputStream. Nó cung cấp các lớp con khác nhau như BufferedOutputStream và DataOutputStream để cung cấp các chức năng bổ sung. Vì vậy, nó ít được sử dụng riêng lẻ</a:t>
+              <a:t>extends lớp </a:t>
+            </a:r>
+            <a:r>
+              <a:rPr lang="en-US" sz="1100" b="0" i="0" u="none" strike="noStrike" cap="none" dirty="0" smtClean="0">
+                <a:solidFill>
+                  <a:srgbClr val="000000"/>
+                </a:solidFill>
+                <a:effectLst/>
+                <a:latin typeface="Arial"/>
+                <a:ea typeface="Arial"/>
+                <a:cs typeface="Arial"/>
+                <a:sym typeface="Arial"/>
+              </a:rPr>
+              <a:t>Input</a:t>
+            </a:r>
+            <a:r>
+              <a:rPr lang="vi-VN" sz="1100" b="0" i="0" u="none" strike="noStrike" cap="none" dirty="0" smtClean="0">
+                <a:solidFill>
+                  <a:srgbClr val="000000"/>
+                </a:solidFill>
+                <a:effectLst/>
+                <a:latin typeface="Arial"/>
+                <a:ea typeface="Arial"/>
+                <a:cs typeface="Arial"/>
+                <a:sym typeface="Arial"/>
+              </a:rPr>
+              <a:t>Stream</a:t>
+            </a:r>
+            <a:r>
+              <a:rPr lang="vi-VN" sz="1100" b="0" i="0" u="none" strike="noStrike" cap="none" dirty="0" smtClean="0">
+                <a:solidFill>
+                  <a:srgbClr val="000000"/>
+                </a:solidFill>
+                <a:effectLst/>
+                <a:latin typeface="Arial"/>
+                <a:ea typeface="Arial"/>
+                <a:cs typeface="Arial"/>
+                <a:sym typeface="Arial"/>
+              </a:rPr>
+              <a:t>. Nó cung cấp các lớp con khác nhau như </a:t>
+            </a:r>
+            <a:r>
+              <a:rPr lang="vi-VN" sz="1100" b="0" i="0" u="none" strike="noStrike" cap="none" dirty="0" smtClean="0">
+                <a:solidFill>
+                  <a:srgbClr val="000000"/>
+                </a:solidFill>
+                <a:effectLst/>
+                <a:latin typeface="Arial"/>
+                <a:ea typeface="Arial"/>
+                <a:cs typeface="Arial"/>
+                <a:sym typeface="Arial"/>
+              </a:rPr>
+              <a:t>Buffered</a:t>
+            </a:r>
+            <a:r>
+              <a:rPr lang="en-US" sz="1100" b="0" i="0" u="none" strike="noStrike" cap="none" dirty="0" smtClean="0">
+                <a:solidFill>
+                  <a:srgbClr val="000000"/>
+                </a:solidFill>
+                <a:effectLst/>
+                <a:latin typeface="Arial"/>
+                <a:ea typeface="Arial"/>
+                <a:cs typeface="Arial"/>
+                <a:sym typeface="Arial"/>
+              </a:rPr>
+              <a:t>In</a:t>
+            </a:r>
+            <a:r>
+              <a:rPr lang="vi-VN" sz="1100" b="0" i="0" u="none" strike="noStrike" cap="none" dirty="0" smtClean="0">
+                <a:solidFill>
+                  <a:srgbClr val="000000"/>
+                </a:solidFill>
+                <a:effectLst/>
+                <a:latin typeface="Arial"/>
+                <a:ea typeface="Arial"/>
+                <a:cs typeface="Arial"/>
+                <a:sym typeface="Arial"/>
+              </a:rPr>
+              <a:t>putStream </a:t>
+            </a:r>
+            <a:r>
+              <a:rPr lang="vi-VN" sz="1100" b="0" i="0" u="none" strike="noStrike" cap="none" dirty="0" smtClean="0">
+                <a:solidFill>
+                  <a:srgbClr val="000000"/>
+                </a:solidFill>
+                <a:effectLst/>
+                <a:latin typeface="Arial"/>
+                <a:ea typeface="Arial"/>
+                <a:cs typeface="Arial"/>
+                <a:sym typeface="Arial"/>
+              </a:rPr>
+              <a:t>và </a:t>
+            </a:r>
+            <a:r>
+              <a:rPr lang="vi-VN" sz="1100" b="0" i="0" u="none" strike="noStrike" cap="none" dirty="0" smtClean="0">
+                <a:solidFill>
+                  <a:srgbClr val="000000"/>
+                </a:solidFill>
+                <a:effectLst/>
+                <a:latin typeface="Arial"/>
+                <a:ea typeface="Arial"/>
+                <a:cs typeface="Arial"/>
+                <a:sym typeface="Arial"/>
+              </a:rPr>
+              <a:t>Data</a:t>
+            </a:r>
+            <a:r>
+              <a:rPr lang="en-US" sz="1100" b="0" i="0" u="none" strike="noStrike" cap="none" dirty="0" smtClean="0">
+                <a:solidFill>
+                  <a:srgbClr val="000000"/>
+                </a:solidFill>
+                <a:effectLst/>
+                <a:latin typeface="Arial"/>
+                <a:ea typeface="Arial"/>
+                <a:cs typeface="Arial"/>
+                <a:sym typeface="Arial"/>
+              </a:rPr>
+              <a:t>In</a:t>
+            </a:r>
+            <a:r>
+              <a:rPr lang="vi-VN" sz="1100" b="0" i="0" u="none" strike="noStrike" cap="none" dirty="0" smtClean="0">
+                <a:solidFill>
+                  <a:srgbClr val="000000"/>
+                </a:solidFill>
+                <a:effectLst/>
+                <a:latin typeface="Arial"/>
+                <a:ea typeface="Arial"/>
+                <a:cs typeface="Arial"/>
+                <a:sym typeface="Arial"/>
+              </a:rPr>
+              <a:t>putStream </a:t>
+            </a:r>
+            <a:r>
+              <a:rPr lang="vi-VN" sz="1100" b="0" i="0" u="none" strike="noStrike" cap="none" dirty="0" smtClean="0">
+                <a:solidFill>
+                  <a:srgbClr val="000000"/>
+                </a:solidFill>
+                <a:effectLst/>
+                <a:latin typeface="Arial"/>
+                <a:ea typeface="Arial"/>
+                <a:cs typeface="Arial"/>
+                <a:sym typeface="Arial"/>
+              </a:rPr>
+              <a:t>để cung cấp các chức năng bổ sung. Vì vậy, nó ít được sử dụng riêng lẻ</a:t>
             </a:r>
             <a:endParaRPr lang="en-US" sz="1100" b="0" i="0" u="none" strike="noStrike" cap="none" dirty="0" smtClean="0">
               <a:solidFill>
@@ -2747,7 +2934,7 @@
               <a:buNone/>
             </a:pPr>
             <a:r>
-              <a:rPr lang="en-US" sz="1100" b="1" i="0" u="none" strike="noStrike" cap="none" dirty="0" err="1" smtClean="0">
+              <a:rPr lang="en-US" sz="1100" b="1" i="0" u="none" strike="noStrike" cap="none" smtClean="0">
                 <a:solidFill>
                   <a:srgbClr val="000000"/>
                 </a:solidFill>
@@ -2760,23 +2947,7 @@
                 <a:cs typeface="Arial"/>
                 <a:sym typeface="Arial"/>
               </a:rPr>
-              <a:t>ObjectInput</a:t>
-            </a:r>
-            <a:r>
-              <a:rPr lang="en-US" sz="1100" b="1" i="0" u="none" strike="noStrike" cap="none" dirty="0" smtClean="0">
-                <a:solidFill>
-                  <a:srgbClr val="000000"/>
-                </a:solidFill>
-                <a:effectLst/>
-                <a:highlight>
-                  <a:srgbClr val="FFFFFF"/>
-                </a:highlight>
-                <a:latin typeface="Arial"/>
-                <a:ea typeface="Lora"/>
-                <a:cs typeface="Arial"/>
-                <a:sym typeface="Arial"/>
-              </a:rPr>
-              <a:t>: </a:t>
+              <a:t>ObjectInputStream: </a:t>
             </a:r>
             <a:r>
               <a:rPr lang="vi-VN" sz="1100" b="0" i="0" u="none" strike="noStrike" cap="none" dirty="0" smtClean="0">
@@ -15967,14 +16138,14 @@
               <a:buChar char="●"/>
             </a:pPr>
             <a:r>
-              <a:rPr lang="en">
+              <a:rPr lang="en" dirty="0">
                 <a:solidFill>
                   <a:srgbClr val="2876C9"/>
                 </a:solidFill>
               </a:rPr>
               <a:t>Các kiểu luồng dữ liệu</a:t>
             </a:r>
-            <a:endParaRPr>
+            <a:endParaRPr dirty="0">
               <a:solidFill>
                 <a:srgbClr val="2876C9"/>
               </a:solidFill>
@@ -15998,14 +16169,14 @@
               <a:buChar char="●"/>
             </a:pPr>
             <a:r>
-              <a:rPr lang="en">
+              <a:rPr lang="en" dirty="0">
                 <a:solidFill>
                   <a:srgbClr val="999999"/>
                 </a:solidFill>
               </a:rPr>
               <a:t>Đọc file</a:t>
             </a:r>
-            <a:endParaRPr>
+            <a:endParaRPr dirty="0">
               <a:solidFill>
                 <a:srgbClr val="999999"/>
               </a:solidFill>
@@ -16029,14 +16200,14 @@
               <a:buChar char="●"/>
             </a:pPr>
             <a:r>
-              <a:rPr lang="en">
+              <a:rPr lang="en" dirty="0">
                 <a:solidFill>
                   <a:srgbClr val="999999"/>
                 </a:solidFill>
               </a:rPr>
               <a:t>Ghi file</a:t>
             </a:r>
-            <a:endParaRPr>
+            <a:endParaRPr dirty="0">
               <a:solidFill>
                 <a:srgbClr val="999999"/>
               </a:solidFill>
@@ -16297,10 +16468,10 @@
               <a:buNone/>
             </a:pPr>
             <a:r>
-              <a:rPr lang="en"/>
+              <a:rPr lang="en" dirty="0"/>
               <a:t>Program</a:t>
             </a:r>
-            <a:endParaRPr/>
+            <a:endParaRPr dirty="0"/>
           </a:p>
         </p:txBody>
       </p:sp>
@@ -16349,10 +16520,10 @@
               <a:buNone/>
             </a:pPr>
             <a:r>
-              <a:rPr lang="en"/>
+              <a:rPr lang="en" dirty="0"/>
               <a:t>Program</a:t>
             </a:r>
-            <a:endParaRPr/>
+            <a:endParaRPr dirty="0"/>
           </a:p>
         </p:txBody>
       </p:sp>
